--- a/PPT/14.arm_intro.pptx
+++ b/PPT/14.arm_intro.pptx
@@ -8,14 +8,17 @@
     <p:sldId id="256" r:id="rId2"/>
     <p:sldId id="257" r:id="rId3"/>
     <p:sldId id="258" r:id="rId4"/>
-    <p:sldId id="259" r:id="rId5"/>
-    <p:sldId id="260" r:id="rId6"/>
-    <p:sldId id="262" r:id="rId7"/>
-    <p:sldId id="263" r:id="rId8"/>
-    <p:sldId id="261" r:id="rId9"/>
-    <p:sldId id="264" r:id="rId10"/>
-    <p:sldId id="265" r:id="rId11"/>
-    <p:sldId id="266" r:id="rId12"/>
+    <p:sldId id="267" r:id="rId5"/>
+    <p:sldId id="268" r:id="rId6"/>
+    <p:sldId id="269" r:id="rId7"/>
+    <p:sldId id="259" r:id="rId8"/>
+    <p:sldId id="260" r:id="rId9"/>
+    <p:sldId id="262" r:id="rId10"/>
+    <p:sldId id="263" r:id="rId11"/>
+    <p:sldId id="261" r:id="rId12"/>
+    <p:sldId id="264" r:id="rId13"/>
+    <p:sldId id="265" r:id="rId14"/>
+    <p:sldId id="266" r:id="rId15"/>
   </p:sldIdLst>
   <p:sldSz cx="9144000" cy="6858000" type="screen4x3"/>
   <p:notesSz cx="6858000" cy="9144000"/>
@@ -305,7 +308,7 @@
             <a:fld id="{1D8BD707-D9CF-40AE-B4C6-C98DA3205C09}" type="datetimeFigureOut">
               <a:rPr lang="en-US" smtClean="0"/>
               <a:pPr/>
-              <a:t>14-Sep-20</a:t>
+              <a:t>15-Feb-21</a:t>
             </a:fld>
             <a:endParaRPr lang="en-US"/>
           </a:p>
@@ -472,7 +475,7 @@
             <a:fld id="{1D8BD707-D9CF-40AE-B4C6-C98DA3205C09}" type="datetimeFigureOut">
               <a:rPr lang="en-US" smtClean="0"/>
               <a:pPr/>
-              <a:t>14-Sep-20</a:t>
+              <a:t>15-Feb-21</a:t>
             </a:fld>
             <a:endParaRPr lang="en-US"/>
           </a:p>
@@ -649,7 +652,7 @@
             <a:fld id="{1D8BD707-D9CF-40AE-B4C6-C98DA3205C09}" type="datetimeFigureOut">
               <a:rPr lang="en-US" smtClean="0"/>
               <a:pPr/>
-              <a:t>14-Sep-20</a:t>
+              <a:t>15-Feb-21</a:t>
             </a:fld>
             <a:endParaRPr lang="en-US"/>
           </a:p>
@@ -816,7 +819,7 @@
             <a:fld id="{1D8BD707-D9CF-40AE-B4C6-C98DA3205C09}" type="datetimeFigureOut">
               <a:rPr lang="en-US" smtClean="0"/>
               <a:pPr/>
-              <a:t>14-Sep-20</a:t>
+              <a:t>15-Feb-21</a:t>
             </a:fld>
             <a:endParaRPr lang="en-US"/>
           </a:p>
@@ -1057,7 +1060,7 @@
             <a:fld id="{1D8BD707-D9CF-40AE-B4C6-C98DA3205C09}" type="datetimeFigureOut">
               <a:rPr lang="en-US" smtClean="0"/>
               <a:pPr/>
-              <a:t>14-Sep-20</a:t>
+              <a:t>15-Feb-21</a:t>
             </a:fld>
             <a:endParaRPr lang="en-US"/>
           </a:p>
@@ -1149,7 +1152,7 @@
             <a:fld id="{1D8BD707-D9CF-40AE-B4C6-C98DA3205C09}" type="datetimeFigureOut">
               <a:rPr lang="en-US" smtClean="0"/>
               <a:pPr/>
-              <a:t>14-Sep-20</a:t>
+              <a:t>15-Feb-21</a:t>
             </a:fld>
             <a:endParaRPr lang="en-US"/>
           </a:p>
@@ -1525,7 +1528,7 @@
             <a:fld id="{1D8BD707-D9CF-40AE-B4C6-C98DA3205C09}" type="datetimeFigureOut">
               <a:rPr lang="en-US" smtClean="0"/>
               <a:pPr/>
-              <a:t>14-Sep-20</a:t>
+              <a:t>15-Feb-21</a:t>
             </a:fld>
             <a:endParaRPr lang="en-US"/>
           </a:p>
@@ -1782,7 +1785,7 @@
             <a:fld id="{1D8BD707-D9CF-40AE-B4C6-C98DA3205C09}" type="datetimeFigureOut">
               <a:rPr lang="en-US" smtClean="0"/>
               <a:pPr/>
-              <a:t>14-Sep-20</a:t>
+              <a:t>15-Feb-21</a:t>
             </a:fld>
             <a:endParaRPr lang="en-US"/>
           </a:p>
@@ -1874,7 +1877,7 @@
             <a:fld id="{1D8BD707-D9CF-40AE-B4C6-C98DA3205C09}" type="datetimeFigureOut">
               <a:rPr lang="en-US" smtClean="0"/>
               <a:pPr/>
-              <a:t>14-Sep-20</a:t>
+              <a:t>15-Feb-21</a:t>
             </a:fld>
             <a:endParaRPr lang="en-US"/>
           </a:p>
@@ -2150,7 +2153,7 @@
             <a:fld id="{1D8BD707-D9CF-40AE-B4C6-C98DA3205C09}" type="datetimeFigureOut">
               <a:rPr lang="en-US" smtClean="0"/>
               <a:pPr/>
-              <a:t>14-Sep-20</a:t>
+              <a:t>15-Feb-21</a:t>
             </a:fld>
             <a:endParaRPr lang="en-US"/>
           </a:p>
@@ -2424,7 +2427,7 @@
             <a:fld id="{1D8BD707-D9CF-40AE-B4C6-C98DA3205C09}" type="datetimeFigureOut">
               <a:rPr lang="en-US" smtClean="0"/>
               <a:pPr/>
-              <a:t>14-Sep-20</a:t>
+              <a:t>15-Feb-21</a:t>
             </a:fld>
             <a:endParaRPr lang="en-US"/>
           </a:p>
@@ -2726,7 +2729,7 @@
             <a:fld id="{1D8BD707-D9CF-40AE-B4C6-C98DA3205C09}" type="datetimeFigureOut">
               <a:rPr lang="en-US" smtClean="0"/>
               <a:pPr/>
-              <a:t>14-Sep-20</a:t>
+              <a:t>15-Feb-21</a:t>
             </a:fld>
             <a:endParaRPr lang="en-US"/>
           </a:p>
@@ -3255,6 +3258,278 @@
         </p:nvSpPr>
         <p:spPr>
           <a:xfrm>
+            <a:off x="762000" y="533400"/>
+            <a:ext cx="7315200" cy="1154097"/>
+          </a:xfrm>
+        </p:spPr>
+        <p:txBody>
+          <a:bodyPr/>
+          <a:lstStyle/>
+          <a:p>
+            <a:r>
+              <a:rPr lang="en-US" dirty="0" smtClean="0"/>
+              <a:t>Core architecture</a:t>
+            </a:r>
+            <a:endParaRPr lang="en-US" dirty="0"/>
+          </a:p>
+        </p:txBody>
+      </p:sp>
+      <p:pic>
+        <p:nvPicPr>
+          <p:cNvPr id="4" name="Content Placeholder 3"/>
+          <p:cNvPicPr>
+            <a:picLocks noGrp="1" noChangeAspect="1"/>
+          </p:cNvPicPr>
+          <p:nvPr>
+            <p:ph idx="1"/>
+          </p:nvPr>
+        </p:nvPicPr>
+        <p:blipFill>
+          <a:blip r:embed="rId2">
+            <a:extLst>
+              <a:ext uri="{28A0092B-C50C-407E-A947-70E740481C1C}">
+                <a14:useLocalDpi xmlns:a14="http://schemas.microsoft.com/office/drawing/2010/main" val="0"/>
+              </a:ext>
+            </a:extLst>
+          </a:blip>
+          <a:stretch>
+            <a:fillRect/>
+          </a:stretch>
+        </p:blipFill>
+        <p:spPr>
+          <a:xfrm>
+            <a:off x="1004540" y="1828800"/>
+            <a:ext cx="6649100" cy="4876800"/>
+          </a:xfrm>
+        </p:spPr>
+      </p:pic>
+    </p:spTree>
+    <p:extLst>
+      <p:ext uri="{BB962C8B-B14F-4D97-AF65-F5344CB8AC3E}">
+        <p14:creationId xmlns:p14="http://schemas.microsoft.com/office/powerpoint/2010/main" val="1484404711"/>
+      </p:ext>
+    </p:extLst>
+  </p:cSld>
+  <p:clrMapOvr>
+    <a:masterClrMapping/>
+  </p:clrMapOvr>
+  <p:timing>
+    <p:tnLst>
+      <p:par>
+        <p:cTn id="1" dur="indefinite" restart="never" nodeType="tmRoot"/>
+      </p:par>
+    </p:tnLst>
+  </p:timing>
+</p:sld>
+</file>
+
+<file path=ppt/slides/slide11.xml><?xml version="1.0" encoding="utf-8"?>
+<p:sld xmlns:a="http://schemas.openxmlformats.org/drawingml/2006/main" xmlns:r="http://schemas.openxmlformats.org/officeDocument/2006/relationships" xmlns:p="http://schemas.openxmlformats.org/presentationml/2006/main">
+  <p:cSld>
+    <p:spTree>
+      <p:nvGrpSpPr>
+        <p:cNvPr id="1" name=""/>
+        <p:cNvGrpSpPr/>
+        <p:nvPr/>
+      </p:nvGrpSpPr>
+      <p:grpSpPr>
+        <a:xfrm>
+          <a:off x="0" y="0"/>
+          <a:ext cx="0" cy="0"/>
+          <a:chOff x="0" y="0"/>
+          <a:chExt cx="0" cy="0"/>
+        </a:xfrm>
+      </p:grpSpPr>
+      <p:sp>
+        <p:nvSpPr>
+          <p:cNvPr id="2" name="Title 1"/>
+          <p:cNvSpPr>
+            <a:spLocks noGrp="1"/>
+          </p:cNvSpPr>
+          <p:nvPr>
+            <p:ph type="title"/>
+          </p:nvPr>
+        </p:nvSpPr>
+        <p:spPr/>
+        <p:txBody>
+          <a:bodyPr/>
+          <a:lstStyle/>
+          <a:p>
+            <a:r>
+              <a:rPr lang="en-US" dirty="0" smtClean="0"/>
+              <a:t>PLL- phase lock loop</a:t>
+            </a:r>
+            <a:endParaRPr lang="en-US" dirty="0"/>
+          </a:p>
+        </p:txBody>
+      </p:sp>
+      <p:pic>
+        <p:nvPicPr>
+          <p:cNvPr id="4" name="Content Placeholder 3"/>
+          <p:cNvPicPr>
+            <a:picLocks noGrp="1" noChangeAspect="1"/>
+          </p:cNvPicPr>
+          <p:nvPr>
+            <p:ph idx="1"/>
+          </p:nvPr>
+        </p:nvPicPr>
+        <p:blipFill>
+          <a:blip r:embed="rId2">
+            <a:extLst>
+              <a:ext uri="{28A0092B-C50C-407E-A947-70E740481C1C}">
+                <a14:useLocalDpi xmlns:a14="http://schemas.microsoft.com/office/drawing/2010/main" val="0"/>
+              </a:ext>
+            </a:extLst>
+          </a:blip>
+          <a:stretch>
+            <a:fillRect/>
+          </a:stretch>
+        </p:blipFill>
+        <p:spPr>
+          <a:xfrm>
+            <a:off x="1148637" y="2770188"/>
+            <a:ext cx="6431119" cy="3783012"/>
+          </a:xfrm>
+        </p:spPr>
+      </p:pic>
+    </p:spTree>
+    <p:extLst>
+      <p:ext uri="{BB962C8B-B14F-4D97-AF65-F5344CB8AC3E}">
+        <p14:creationId xmlns:p14="http://schemas.microsoft.com/office/powerpoint/2010/main" val="4119713757"/>
+      </p:ext>
+    </p:extLst>
+  </p:cSld>
+  <p:clrMapOvr>
+    <a:masterClrMapping/>
+  </p:clrMapOvr>
+  <p:timing>
+    <p:tnLst>
+      <p:par>
+        <p:cTn id="1" dur="indefinite" restart="never" nodeType="tmRoot"/>
+      </p:par>
+    </p:tnLst>
+  </p:timing>
+</p:sld>
+</file>
+
+<file path=ppt/slides/slide12.xml><?xml version="1.0" encoding="utf-8"?>
+<p:sld xmlns:a="http://schemas.openxmlformats.org/drawingml/2006/main" xmlns:r="http://schemas.openxmlformats.org/officeDocument/2006/relationships" xmlns:p="http://schemas.openxmlformats.org/presentationml/2006/main">
+  <p:cSld>
+    <p:spTree>
+      <p:nvGrpSpPr>
+        <p:cNvPr id="1" name=""/>
+        <p:cNvGrpSpPr/>
+        <p:nvPr/>
+      </p:nvGrpSpPr>
+      <p:grpSpPr>
+        <a:xfrm>
+          <a:off x="0" y="0"/>
+          <a:ext cx="0" cy="0"/>
+          <a:chOff x="0" y="0"/>
+          <a:chExt cx="0" cy="0"/>
+        </a:xfrm>
+      </p:grpSpPr>
+      <p:sp>
+        <p:nvSpPr>
+          <p:cNvPr id="2" name="Title 1"/>
+          <p:cNvSpPr>
+            <a:spLocks noGrp="1"/>
+          </p:cNvSpPr>
+          <p:nvPr>
+            <p:ph type="title"/>
+          </p:nvPr>
+        </p:nvSpPr>
+        <p:spPr/>
+        <p:txBody>
+          <a:bodyPr/>
+          <a:lstStyle/>
+          <a:p>
+            <a:r>
+              <a:rPr lang="en-US" dirty="0" smtClean="0"/>
+              <a:t>PLL waveform</a:t>
+            </a:r>
+            <a:endParaRPr lang="en-US" dirty="0"/>
+          </a:p>
+        </p:txBody>
+      </p:sp>
+      <p:pic>
+        <p:nvPicPr>
+          <p:cNvPr id="4" name="Content Placeholder 3"/>
+          <p:cNvPicPr>
+            <a:picLocks noGrp="1" noChangeAspect="1"/>
+          </p:cNvPicPr>
+          <p:nvPr>
+            <p:ph idx="1"/>
+          </p:nvPr>
+        </p:nvPicPr>
+        <p:blipFill>
+          <a:blip r:embed="rId2">
+            <a:extLst>
+              <a:ext uri="{28A0092B-C50C-407E-A947-70E740481C1C}">
+                <a14:useLocalDpi xmlns:a14="http://schemas.microsoft.com/office/drawing/2010/main" val="0"/>
+              </a:ext>
+            </a:extLst>
+          </a:blip>
+          <a:stretch>
+            <a:fillRect/>
+          </a:stretch>
+        </p:blipFill>
+        <p:spPr>
+          <a:xfrm>
+            <a:off x="1143000" y="3048000"/>
+            <a:ext cx="6481822" cy="3200400"/>
+          </a:xfrm>
+        </p:spPr>
+      </p:pic>
+    </p:spTree>
+    <p:extLst>
+      <p:ext uri="{BB962C8B-B14F-4D97-AF65-F5344CB8AC3E}">
+        <p14:creationId xmlns:p14="http://schemas.microsoft.com/office/powerpoint/2010/main" val="2135278932"/>
+      </p:ext>
+    </p:extLst>
+  </p:cSld>
+  <p:clrMapOvr>
+    <a:masterClrMapping/>
+  </p:clrMapOvr>
+  <p:timing>
+    <p:tnLst>
+      <p:par>
+        <p:cTn id="1" dur="indefinite" restart="never" nodeType="tmRoot"/>
+      </p:par>
+    </p:tnLst>
+  </p:timing>
+</p:sld>
+</file>
+
+<file path=ppt/slides/slide13.xml><?xml version="1.0" encoding="utf-8"?>
+<p:sld xmlns:a="http://schemas.openxmlformats.org/drawingml/2006/main" xmlns:r="http://schemas.openxmlformats.org/officeDocument/2006/relationships" xmlns:p="http://schemas.openxmlformats.org/presentationml/2006/main">
+  <p:cSld>
+    <p:spTree>
+      <p:nvGrpSpPr>
+        <p:cNvPr id="1" name=""/>
+        <p:cNvGrpSpPr/>
+        <p:nvPr/>
+      </p:nvGrpSpPr>
+      <p:grpSpPr>
+        <a:xfrm>
+          <a:off x="0" y="0"/>
+          <a:ext cx="0" cy="0"/>
+          <a:chOff x="0" y="0"/>
+          <a:chExt cx="0" cy="0"/>
+        </a:xfrm>
+      </p:grpSpPr>
+      <p:sp>
+        <p:nvSpPr>
+          <p:cNvPr id="2" name="Title 1"/>
+          <p:cNvSpPr>
+            <a:spLocks noGrp="1"/>
+          </p:cNvSpPr>
+          <p:nvPr>
+            <p:ph type="title"/>
+          </p:nvPr>
+        </p:nvSpPr>
+        <p:spPr>
+          <a:xfrm>
             <a:off x="838200" y="304801"/>
             <a:ext cx="7315200" cy="990600"/>
           </a:xfrm>
@@ -3587,7 +3862,7 @@
 </p:sld>
 </file>
 
-<file path=ppt/slides/slide11.xml><?xml version="1.0" encoding="utf-8"?>
+<file path=ppt/slides/slide14.xml><?xml version="1.0" encoding="utf-8"?>
 <p:sld xmlns:a="http://schemas.openxmlformats.org/drawingml/2006/main" xmlns:r="http://schemas.openxmlformats.org/officeDocument/2006/relationships" xmlns:p="http://schemas.openxmlformats.org/presentationml/2006/main">
   <p:cSld>
     <p:spTree>
@@ -3875,8 +4150,25 @@
             </a:pPr>
             <a:r>
               <a:rPr lang="en-US" dirty="0" smtClean="0"/>
-              <a:t>Manufactures –ARM</a:t>
-            </a:r>
+              <a:t>Manufactures –</a:t>
+            </a:r>
+            <a:r>
+              <a:rPr lang="en-US" dirty="0" smtClean="0"/>
+              <a:t>ARM,1990 </a:t>
+            </a:r>
+            <a:r>
+              <a:rPr lang="en-US" dirty="0" err="1" smtClean="0"/>
+              <a:t>cambridge</a:t>
+            </a:r>
+            <a:r>
+              <a:rPr lang="en-US" dirty="0" smtClean="0"/>
+              <a:t> -</a:t>
+            </a:r>
+            <a:r>
+              <a:rPr lang="en-US" dirty="0" err="1" smtClean="0"/>
+              <a:t>uk</a:t>
+            </a:r>
+            <a:endParaRPr lang="en-US" dirty="0" smtClean="0"/>
           </a:p>
           <a:p>
             <a:pPr marL="45720" indent="0">
@@ -3953,11 +4245,15 @@
             </a:r>
             <a:r>
               <a:rPr lang="en-US" dirty="0" err="1" smtClean="0"/>
-              <a:t>spee,more</a:t>
-            </a:r>
-            <a:r>
-              <a:rPr lang="en-US" dirty="0" smtClean="0"/>
-              <a:t> features ,</a:t>
+              <a:t>speed,more</a:t>
+            </a:r>
+            <a:r>
+              <a:rPr lang="en-US" dirty="0" smtClean="0"/>
+              <a:t> </a:t>
+            </a:r>
+            <a:r>
+              <a:rPr lang="en-US" dirty="0" smtClean="0"/>
+              <a:t>features ,</a:t>
             </a:r>
             <a:r>
               <a:rPr lang="en-US" dirty="0" err="1" smtClean="0"/>
@@ -4564,6 +4860,389 @@
           <a:p>
             <a:r>
               <a:rPr lang="en-US" dirty="0" smtClean="0"/>
+              <a:t>Operate modes</a:t>
+            </a:r>
+            <a:endParaRPr lang="en-US" dirty="0"/>
+          </a:p>
+        </p:txBody>
+      </p:sp>
+      <p:pic>
+        <p:nvPicPr>
+          <p:cNvPr id="9" name="Content Placeholder 8"/>
+          <p:cNvPicPr>
+            <a:picLocks noGrp="1" noChangeAspect="1"/>
+          </p:cNvPicPr>
+          <p:nvPr>
+            <p:ph idx="1"/>
+          </p:nvPr>
+        </p:nvPicPr>
+        <p:blipFill>
+          <a:blip r:embed="rId2">
+            <a:extLst>
+              <a:ext uri="{28A0092B-C50C-407E-A947-70E740481C1C}">
+                <a14:useLocalDpi xmlns:a14="http://schemas.microsoft.com/office/drawing/2010/main" val="0"/>
+              </a:ext>
+            </a:extLst>
+          </a:blip>
+          <a:stretch>
+            <a:fillRect/>
+          </a:stretch>
+        </p:blipFill>
+        <p:spPr>
+          <a:xfrm>
+            <a:off x="2215438" y="2770188"/>
+            <a:ext cx="4947362" cy="3714399"/>
+          </a:xfrm>
+        </p:spPr>
+      </p:pic>
+    </p:spTree>
+    <p:extLst>
+      <p:ext uri="{BB962C8B-B14F-4D97-AF65-F5344CB8AC3E}">
+        <p14:creationId xmlns:p14="http://schemas.microsoft.com/office/powerpoint/2010/main" val="1395881580"/>
+      </p:ext>
+    </p:extLst>
+  </p:cSld>
+  <p:clrMapOvr>
+    <a:masterClrMapping/>
+  </p:clrMapOvr>
+</p:sld>
+</file>
+
+<file path=ppt/slides/slide5.xml><?xml version="1.0" encoding="utf-8"?>
+<p:sld xmlns:a="http://schemas.openxmlformats.org/drawingml/2006/main" xmlns:r="http://schemas.openxmlformats.org/officeDocument/2006/relationships" xmlns:p="http://schemas.openxmlformats.org/presentationml/2006/main">
+  <p:cSld>
+    <p:spTree>
+      <p:nvGrpSpPr>
+        <p:cNvPr id="1" name=""/>
+        <p:cNvGrpSpPr/>
+        <p:nvPr/>
+      </p:nvGrpSpPr>
+      <p:grpSpPr>
+        <a:xfrm>
+          <a:off x="0" y="0"/>
+          <a:ext cx="0" cy="0"/>
+          <a:chOff x="0" y="0"/>
+          <a:chExt cx="0" cy="0"/>
+        </a:xfrm>
+      </p:grpSpPr>
+      <p:sp>
+        <p:nvSpPr>
+          <p:cNvPr id="2" name="Title 1"/>
+          <p:cNvSpPr>
+            <a:spLocks noGrp="1"/>
+          </p:cNvSpPr>
+          <p:nvPr>
+            <p:ph type="title"/>
+          </p:nvPr>
+        </p:nvSpPr>
+        <p:spPr>
+          <a:xfrm>
+            <a:off x="152400" y="76200"/>
+            <a:ext cx="7315200" cy="1154097"/>
+          </a:xfrm>
+        </p:spPr>
+        <p:txBody>
+          <a:bodyPr/>
+          <a:lstStyle/>
+          <a:p>
+            <a:r>
+              <a:rPr lang="en-US" dirty="0" smtClean="0"/>
+              <a:t>Arm </a:t>
+            </a:r>
+            <a:r>
+              <a:rPr lang="en-US" dirty="0" err="1" smtClean="0"/>
+              <a:t>cpu</a:t>
+            </a:r>
+            <a:r>
+              <a:rPr lang="en-US" dirty="0" smtClean="0"/>
+              <a:t> </a:t>
+            </a:r>
+            <a:r>
+              <a:rPr lang="en-US" dirty="0" err="1" smtClean="0"/>
+              <a:t>reg</a:t>
+            </a:r>
+            <a:endParaRPr lang="en-US" dirty="0"/>
+          </a:p>
+        </p:txBody>
+      </p:sp>
+      <p:pic>
+        <p:nvPicPr>
+          <p:cNvPr id="4" name="Content Placeholder 3"/>
+          <p:cNvPicPr>
+            <a:picLocks noGrp="1" noChangeAspect="1"/>
+          </p:cNvPicPr>
+          <p:nvPr>
+            <p:ph idx="1"/>
+          </p:nvPr>
+        </p:nvPicPr>
+        <p:blipFill>
+          <a:blip r:embed="rId2">
+            <a:extLst>
+              <a:ext uri="{28A0092B-C50C-407E-A947-70E740481C1C}">
+                <a14:useLocalDpi xmlns:a14="http://schemas.microsoft.com/office/drawing/2010/main" val="0"/>
+              </a:ext>
+            </a:extLst>
+          </a:blip>
+          <a:stretch>
+            <a:fillRect/>
+          </a:stretch>
+        </p:blipFill>
+        <p:spPr>
+          <a:xfrm>
+            <a:off x="152400" y="2209800"/>
+            <a:ext cx="5115232" cy="3538537"/>
+          </a:xfrm>
+        </p:spPr>
+      </p:pic>
+      <p:pic>
+        <p:nvPicPr>
+          <p:cNvPr id="5" name="Picture 4"/>
+          <p:cNvPicPr>
+            <a:picLocks noChangeAspect="1"/>
+          </p:cNvPicPr>
+          <p:nvPr/>
+        </p:nvPicPr>
+        <p:blipFill>
+          <a:blip r:embed="rId3">
+            <a:extLst>
+              <a:ext uri="{28A0092B-C50C-407E-A947-70E740481C1C}">
+                <a14:useLocalDpi xmlns:a14="http://schemas.microsoft.com/office/drawing/2010/main" val="0"/>
+              </a:ext>
+            </a:extLst>
+          </a:blip>
+          <a:stretch>
+            <a:fillRect/>
+          </a:stretch>
+        </p:blipFill>
+        <p:spPr>
+          <a:xfrm>
+            <a:off x="5410200" y="2438400"/>
+            <a:ext cx="4110754" cy="3010237"/>
+          </a:xfrm>
+          <a:prstGeom prst="rect">
+            <a:avLst/>
+          </a:prstGeom>
+        </p:spPr>
+      </p:pic>
+    </p:spTree>
+    <p:extLst>
+      <p:ext uri="{BB962C8B-B14F-4D97-AF65-F5344CB8AC3E}">
+        <p14:creationId xmlns:p14="http://schemas.microsoft.com/office/powerpoint/2010/main" val="1641940590"/>
+      </p:ext>
+    </p:extLst>
+  </p:cSld>
+  <p:clrMapOvr>
+    <a:masterClrMapping/>
+  </p:clrMapOvr>
+</p:sld>
+</file>
+
+<file path=ppt/slides/slide6.xml><?xml version="1.0" encoding="utf-8"?>
+<p:sld xmlns:a="http://schemas.openxmlformats.org/drawingml/2006/main" xmlns:r="http://schemas.openxmlformats.org/officeDocument/2006/relationships" xmlns:p="http://schemas.openxmlformats.org/presentationml/2006/main">
+  <p:cSld>
+    <p:spTree>
+      <p:nvGrpSpPr>
+        <p:cNvPr id="1" name=""/>
+        <p:cNvGrpSpPr/>
+        <p:nvPr/>
+      </p:nvGrpSpPr>
+      <p:grpSpPr>
+        <a:xfrm>
+          <a:off x="0" y="0"/>
+          <a:ext cx="0" cy="0"/>
+          <a:chOff x="0" y="0"/>
+          <a:chExt cx="0" cy="0"/>
+        </a:xfrm>
+      </p:grpSpPr>
+      <p:sp>
+        <p:nvSpPr>
+          <p:cNvPr id="2" name="Title 1"/>
+          <p:cNvSpPr>
+            <a:spLocks noGrp="1"/>
+          </p:cNvSpPr>
+          <p:nvPr>
+            <p:ph type="title"/>
+          </p:nvPr>
+        </p:nvSpPr>
+        <p:spPr>
+          <a:xfrm>
+            <a:off x="152400" y="0"/>
+            <a:ext cx="7315200" cy="1154097"/>
+          </a:xfrm>
+        </p:spPr>
+        <p:txBody>
+          <a:bodyPr/>
+          <a:lstStyle/>
+          <a:p>
+            <a:r>
+              <a:rPr lang="en-US" dirty="0" err="1" smtClean="0"/>
+              <a:t>Cpsr</a:t>
+            </a:r>
+            <a:r>
+              <a:rPr lang="en-US" dirty="0" smtClean="0"/>
+              <a:t> </a:t>
+            </a:r>
+            <a:r>
+              <a:rPr lang="en-US" dirty="0" err="1" smtClean="0"/>
+              <a:t>vs</a:t>
+            </a:r>
+            <a:r>
+              <a:rPr lang="en-US" dirty="0" smtClean="0"/>
+              <a:t> </a:t>
+            </a:r>
+            <a:r>
+              <a:rPr lang="en-US" dirty="0" err="1" smtClean="0"/>
+              <a:t>spsr</a:t>
+            </a:r>
+            <a:endParaRPr lang="en-US" dirty="0"/>
+          </a:p>
+        </p:txBody>
+      </p:sp>
+      <p:sp>
+        <p:nvSpPr>
+          <p:cNvPr id="3" name="Content Placeholder 2"/>
+          <p:cNvSpPr>
+            <a:spLocks noGrp="1"/>
+          </p:cNvSpPr>
+          <p:nvPr>
+            <p:ph idx="1"/>
+          </p:nvPr>
+        </p:nvSpPr>
+        <p:spPr>
+          <a:xfrm>
+            <a:off x="152400" y="1143000"/>
+            <a:ext cx="8686800" cy="5562600"/>
+          </a:xfrm>
+        </p:spPr>
+        <p:txBody>
+          <a:bodyPr/>
+          <a:lstStyle/>
+          <a:p>
+            <a:r>
+              <a:rPr lang="en-US" dirty="0"/>
+              <a:t>A Saved Program Status Register (</a:t>
+            </a:r>
+            <a:r>
+              <a:rPr lang="en-US" b="1" dirty="0"/>
+              <a:t>SPSR</a:t>
+            </a:r>
+            <a:r>
+              <a:rPr lang="en-US" dirty="0"/>
+              <a:t>) stores the current value of the </a:t>
+            </a:r>
+            <a:r>
+              <a:rPr lang="en-US" b="1" dirty="0"/>
+              <a:t>CPSR</a:t>
+            </a:r>
+            <a:r>
+              <a:rPr lang="en-US" dirty="0"/>
+              <a:t> when an exception is taken so that the </a:t>
+            </a:r>
+            <a:r>
+              <a:rPr lang="en-US" b="1" dirty="0"/>
+              <a:t>CPSR</a:t>
+            </a:r>
+            <a:r>
+              <a:rPr lang="en-US" dirty="0"/>
+              <a:t> can be restored after handling the exception. Each exception handling mode can access its own </a:t>
+            </a:r>
+            <a:r>
+              <a:rPr lang="en-US" b="1" dirty="0"/>
+              <a:t>SPSR</a:t>
+            </a:r>
+            <a:r>
+              <a:rPr lang="en-US" dirty="0"/>
+              <a:t>. User mode and System mode do not have an </a:t>
+            </a:r>
+            <a:r>
+              <a:rPr lang="en-US" b="1" dirty="0"/>
+              <a:t>SPSR</a:t>
+            </a:r>
+            <a:r>
+              <a:rPr lang="en-US" dirty="0"/>
+              <a:t> because they are not exception handling modes.</a:t>
+            </a:r>
+            <a:endParaRPr lang="en-US" dirty="0"/>
+          </a:p>
+        </p:txBody>
+      </p:sp>
+      <p:pic>
+        <p:nvPicPr>
+          <p:cNvPr id="4" name="Picture 3"/>
+          <p:cNvPicPr>
+            <a:picLocks noChangeAspect="1"/>
+          </p:cNvPicPr>
+          <p:nvPr/>
+        </p:nvPicPr>
+        <p:blipFill>
+          <a:blip r:embed="rId2">
+            <a:extLst>
+              <a:ext uri="{28A0092B-C50C-407E-A947-70E740481C1C}">
+                <a14:useLocalDpi xmlns:a14="http://schemas.microsoft.com/office/drawing/2010/main" val="0"/>
+              </a:ext>
+            </a:extLst>
+          </a:blip>
+          <a:stretch>
+            <a:fillRect/>
+          </a:stretch>
+        </p:blipFill>
+        <p:spPr>
+          <a:xfrm>
+            <a:off x="762000" y="3352800"/>
+            <a:ext cx="7552346" cy="2667000"/>
+          </a:xfrm>
+          <a:prstGeom prst="rect">
+            <a:avLst/>
+          </a:prstGeom>
+        </p:spPr>
+      </p:pic>
+    </p:spTree>
+    <p:extLst>
+      <p:ext uri="{BB962C8B-B14F-4D97-AF65-F5344CB8AC3E}">
+        <p14:creationId xmlns:p14="http://schemas.microsoft.com/office/powerpoint/2010/main" val="193323398"/>
+      </p:ext>
+    </p:extLst>
+  </p:cSld>
+  <p:clrMapOvr>
+    <a:masterClrMapping/>
+  </p:clrMapOvr>
+</p:sld>
+</file>
+
+<file path=ppt/slides/slide7.xml><?xml version="1.0" encoding="utf-8"?>
+<p:sld xmlns:a="http://schemas.openxmlformats.org/drawingml/2006/main" xmlns:r="http://schemas.openxmlformats.org/officeDocument/2006/relationships" xmlns:p="http://schemas.openxmlformats.org/presentationml/2006/main">
+  <p:cSld>
+    <p:spTree>
+      <p:nvGrpSpPr>
+        <p:cNvPr id="1" name=""/>
+        <p:cNvGrpSpPr/>
+        <p:nvPr/>
+      </p:nvGrpSpPr>
+      <p:grpSpPr>
+        <a:xfrm>
+          <a:off x="0" y="0"/>
+          <a:ext cx="0" cy="0"/>
+          <a:chOff x="0" y="0"/>
+          <a:chExt cx="0" cy="0"/>
+        </a:xfrm>
+      </p:grpSpPr>
+      <p:sp>
+        <p:nvSpPr>
+          <p:cNvPr id="2" name="Title 1"/>
+          <p:cNvSpPr>
+            <a:spLocks noGrp="1"/>
+          </p:cNvSpPr>
+          <p:nvPr>
+            <p:ph type="title"/>
+          </p:nvPr>
+        </p:nvSpPr>
+        <p:spPr/>
+        <p:txBody>
+          <a:bodyPr/>
+          <a:lstStyle/>
+          <a:p>
+            <a:r>
+              <a:rPr lang="en-US" dirty="0" smtClean="0"/>
               <a:t>STM32F103c8 core specs</a:t>
             </a:r>
             <a:endParaRPr lang="en-US" dirty="0"/>
@@ -4619,7 +5298,15 @@
           <a:p>
             <a:r>
               <a:rPr lang="en-US" dirty="0" smtClean="0"/>
-              <a:t>Peripherals- 7 timers,adc,ccp,3 uart,2 spi,2 i2c,can,usb</a:t>
+              <a:t>Peripherals- </a:t>
+            </a:r>
+            <a:r>
+              <a:rPr lang="en-US" dirty="0" smtClean="0"/>
+              <a:t>14 </a:t>
+            </a:r>
+            <a:r>
+              <a:rPr lang="en-US" dirty="0" smtClean="0"/>
+              <a:t>timers,adc,ccp,3 uart,2 spi,2 i2c,can,usb</a:t>
             </a:r>
           </a:p>
           <a:p>
@@ -4631,7 +5318,19 @@
               <a:rPr lang="en-US" dirty="0" smtClean="0">
                 <a:sym typeface="Wingdings" pitchFamily="2" charset="2"/>
               </a:rPr>
-              <a:t> 36 usable</a:t>
+              <a:t> </a:t>
+            </a:r>
+            <a:r>
+              <a:rPr lang="en-US" dirty="0" smtClean="0">
+                <a:sym typeface="Wingdings" pitchFamily="2" charset="2"/>
+              </a:rPr>
+              <a:t>35 </a:t>
+            </a:r>
+            <a:r>
+              <a:rPr lang="en-US" dirty="0" smtClean="0">
+                <a:sym typeface="Wingdings" pitchFamily="2" charset="2"/>
+              </a:rPr>
+              <a:t>usable</a:t>
             </a:r>
           </a:p>
           <a:p>
@@ -4709,7 +5408,7 @@
 </p:sld>
 </file>
 
-<file path=ppt/slides/slide5.xml><?xml version="1.0" encoding="utf-8"?>
+<file path=ppt/slides/slide8.xml><?xml version="1.0" encoding="utf-8"?>
 <p:sld xmlns:a="http://schemas.openxmlformats.org/drawingml/2006/main" xmlns:r="http://schemas.openxmlformats.org/officeDocument/2006/relationships" xmlns:p="http://schemas.openxmlformats.org/presentationml/2006/main">
   <p:cSld>
     <p:spTree>
@@ -4803,302 +5502,6 @@
 </p:sld>
 </file>
 
-<file path=ppt/slides/slide6.xml><?xml version="1.0" encoding="utf-8"?>
-<p:sld xmlns:a="http://schemas.openxmlformats.org/drawingml/2006/main" xmlns:r="http://schemas.openxmlformats.org/officeDocument/2006/relationships" xmlns:p="http://schemas.openxmlformats.org/presentationml/2006/main">
-  <p:cSld>
-    <p:spTree>
-      <p:nvGrpSpPr>
-        <p:cNvPr id="1" name=""/>
-        <p:cNvGrpSpPr/>
-        <p:nvPr/>
-      </p:nvGrpSpPr>
-      <p:grpSpPr>
-        <a:xfrm>
-          <a:off x="0" y="0"/>
-          <a:ext cx="0" cy="0"/>
-          <a:chOff x="0" y="0"/>
-          <a:chExt cx="0" cy="0"/>
-        </a:xfrm>
-      </p:grpSpPr>
-      <p:sp>
-        <p:nvSpPr>
-          <p:cNvPr id="2" name="Title 1"/>
-          <p:cNvSpPr>
-            <a:spLocks noGrp="1"/>
-          </p:cNvSpPr>
-          <p:nvPr>
-            <p:ph type="title"/>
-          </p:nvPr>
-        </p:nvSpPr>
-        <p:spPr/>
-        <p:txBody>
-          <a:bodyPr/>
-          <a:lstStyle/>
-          <a:p>
-            <a:r>
-              <a:rPr lang="en-US" dirty="0" smtClean="0"/>
-              <a:t>Bus</a:t>
-            </a:r>
-            <a:endParaRPr lang="en-US" dirty="0"/>
-          </a:p>
-        </p:txBody>
-      </p:sp>
-      <p:sp>
-        <p:nvSpPr>
-          <p:cNvPr id="3" name="Content Placeholder 2"/>
-          <p:cNvSpPr>
-            <a:spLocks noGrp="1"/>
-          </p:cNvSpPr>
-          <p:nvPr>
-            <p:ph idx="1"/>
-          </p:nvPr>
-        </p:nvSpPr>
-        <p:spPr/>
-        <p:txBody>
-          <a:bodyPr/>
-          <a:lstStyle/>
-          <a:p>
-            <a:r>
-              <a:rPr lang="en-US" dirty="0" smtClean="0"/>
-              <a:t>Address bus</a:t>
-            </a:r>
-          </a:p>
-          <a:p>
-            <a:r>
-              <a:rPr lang="en-US" dirty="0" smtClean="0"/>
-              <a:t>Data bus</a:t>
-            </a:r>
-          </a:p>
-          <a:p>
-            <a:r>
-              <a:rPr lang="en-US" dirty="0" smtClean="0"/>
-              <a:t>Control bus</a:t>
-            </a:r>
-          </a:p>
-          <a:p>
-            <a:r>
-              <a:rPr lang="en-US" dirty="0" smtClean="0"/>
-              <a:t>System bus</a:t>
-            </a:r>
-          </a:p>
-          <a:p>
-            <a:r>
-              <a:rPr lang="en-US" dirty="0" smtClean="0"/>
-              <a:t>AHB</a:t>
-            </a:r>
-          </a:p>
-          <a:p>
-            <a:r>
-              <a:rPr lang="en-US" dirty="0" smtClean="0"/>
-              <a:t>APB1,APB2</a:t>
-            </a:r>
-            <a:endParaRPr lang="en-US" dirty="0"/>
-          </a:p>
-        </p:txBody>
-      </p:sp>
-    </p:spTree>
-    <p:extLst>
-      <p:ext uri="{BB962C8B-B14F-4D97-AF65-F5344CB8AC3E}">
-        <p14:creationId xmlns:p14="http://schemas.microsoft.com/office/powerpoint/2010/main" val="1116599352"/>
-      </p:ext>
-    </p:extLst>
-  </p:cSld>
-  <p:clrMapOvr>
-    <a:masterClrMapping/>
-  </p:clrMapOvr>
-  <p:timing>
-    <p:tnLst>
-      <p:par>
-        <p:cTn id="1" dur="indefinite" restart="never" nodeType="tmRoot"/>
-      </p:par>
-    </p:tnLst>
-  </p:timing>
-</p:sld>
-</file>
-
-<file path=ppt/slides/slide7.xml><?xml version="1.0" encoding="utf-8"?>
-<p:sld xmlns:a="http://schemas.openxmlformats.org/drawingml/2006/main" xmlns:r="http://schemas.openxmlformats.org/officeDocument/2006/relationships" xmlns:p="http://schemas.openxmlformats.org/presentationml/2006/main">
-  <p:cSld>
-    <p:spTree>
-      <p:nvGrpSpPr>
-        <p:cNvPr id="1" name=""/>
-        <p:cNvGrpSpPr/>
-        <p:nvPr/>
-      </p:nvGrpSpPr>
-      <p:grpSpPr>
-        <a:xfrm>
-          <a:off x="0" y="0"/>
-          <a:ext cx="0" cy="0"/>
-          <a:chOff x="0" y="0"/>
-          <a:chExt cx="0" cy="0"/>
-        </a:xfrm>
-      </p:grpSpPr>
-      <p:sp>
-        <p:nvSpPr>
-          <p:cNvPr id="2" name="Title 1"/>
-          <p:cNvSpPr>
-            <a:spLocks noGrp="1"/>
-          </p:cNvSpPr>
-          <p:nvPr>
-            <p:ph type="title"/>
-          </p:nvPr>
-        </p:nvSpPr>
-        <p:spPr>
-          <a:xfrm>
-            <a:off x="762000" y="533400"/>
-            <a:ext cx="7315200" cy="1154097"/>
-          </a:xfrm>
-        </p:spPr>
-        <p:txBody>
-          <a:bodyPr/>
-          <a:lstStyle/>
-          <a:p>
-            <a:r>
-              <a:rPr lang="en-US" dirty="0" smtClean="0"/>
-              <a:t>Core architecture</a:t>
-            </a:r>
-            <a:endParaRPr lang="en-US" dirty="0"/>
-          </a:p>
-        </p:txBody>
-      </p:sp>
-      <p:pic>
-        <p:nvPicPr>
-          <p:cNvPr id="4" name="Content Placeholder 3"/>
-          <p:cNvPicPr>
-            <a:picLocks noGrp="1" noChangeAspect="1"/>
-          </p:cNvPicPr>
-          <p:nvPr>
-            <p:ph idx="1"/>
-          </p:nvPr>
-        </p:nvPicPr>
-        <p:blipFill>
-          <a:blip r:embed="rId2">
-            <a:extLst>
-              <a:ext uri="{28A0092B-C50C-407E-A947-70E740481C1C}">
-                <a14:useLocalDpi xmlns:a14="http://schemas.microsoft.com/office/drawing/2010/main" val="0"/>
-              </a:ext>
-            </a:extLst>
-          </a:blip>
-          <a:stretch>
-            <a:fillRect/>
-          </a:stretch>
-        </p:blipFill>
-        <p:spPr>
-          <a:xfrm>
-            <a:off x="1004540" y="1828800"/>
-            <a:ext cx="6649100" cy="4876800"/>
-          </a:xfrm>
-        </p:spPr>
-      </p:pic>
-    </p:spTree>
-    <p:extLst>
-      <p:ext uri="{BB962C8B-B14F-4D97-AF65-F5344CB8AC3E}">
-        <p14:creationId xmlns:p14="http://schemas.microsoft.com/office/powerpoint/2010/main" val="1484404711"/>
-      </p:ext>
-    </p:extLst>
-  </p:cSld>
-  <p:clrMapOvr>
-    <a:masterClrMapping/>
-  </p:clrMapOvr>
-  <p:timing>
-    <p:tnLst>
-      <p:par>
-        <p:cTn id="1" dur="indefinite" restart="never" nodeType="tmRoot"/>
-      </p:par>
-    </p:tnLst>
-  </p:timing>
-</p:sld>
-</file>
-
-<file path=ppt/slides/slide8.xml><?xml version="1.0" encoding="utf-8"?>
-<p:sld xmlns:a="http://schemas.openxmlformats.org/drawingml/2006/main" xmlns:r="http://schemas.openxmlformats.org/officeDocument/2006/relationships" xmlns:p="http://schemas.openxmlformats.org/presentationml/2006/main">
-  <p:cSld>
-    <p:spTree>
-      <p:nvGrpSpPr>
-        <p:cNvPr id="1" name=""/>
-        <p:cNvGrpSpPr/>
-        <p:nvPr/>
-      </p:nvGrpSpPr>
-      <p:grpSpPr>
-        <a:xfrm>
-          <a:off x="0" y="0"/>
-          <a:ext cx="0" cy="0"/>
-          <a:chOff x="0" y="0"/>
-          <a:chExt cx="0" cy="0"/>
-        </a:xfrm>
-      </p:grpSpPr>
-      <p:sp>
-        <p:nvSpPr>
-          <p:cNvPr id="2" name="Title 1"/>
-          <p:cNvSpPr>
-            <a:spLocks noGrp="1"/>
-          </p:cNvSpPr>
-          <p:nvPr>
-            <p:ph type="title"/>
-          </p:nvPr>
-        </p:nvSpPr>
-        <p:spPr/>
-        <p:txBody>
-          <a:bodyPr/>
-          <a:lstStyle/>
-          <a:p>
-            <a:r>
-              <a:rPr lang="en-US" dirty="0" smtClean="0"/>
-              <a:t>PLL- phase lock loop</a:t>
-            </a:r>
-            <a:endParaRPr lang="en-US" dirty="0"/>
-          </a:p>
-        </p:txBody>
-      </p:sp>
-      <p:pic>
-        <p:nvPicPr>
-          <p:cNvPr id="4" name="Content Placeholder 3"/>
-          <p:cNvPicPr>
-            <a:picLocks noGrp="1" noChangeAspect="1"/>
-          </p:cNvPicPr>
-          <p:nvPr>
-            <p:ph idx="1"/>
-          </p:nvPr>
-        </p:nvPicPr>
-        <p:blipFill>
-          <a:blip r:embed="rId2">
-            <a:extLst>
-              <a:ext uri="{28A0092B-C50C-407E-A947-70E740481C1C}">
-                <a14:useLocalDpi xmlns:a14="http://schemas.microsoft.com/office/drawing/2010/main" val="0"/>
-              </a:ext>
-            </a:extLst>
-          </a:blip>
-          <a:stretch>
-            <a:fillRect/>
-          </a:stretch>
-        </p:blipFill>
-        <p:spPr>
-          <a:xfrm>
-            <a:off x="1148637" y="2770188"/>
-            <a:ext cx="6431119" cy="3783012"/>
-          </a:xfrm>
-        </p:spPr>
-      </p:pic>
-    </p:spTree>
-    <p:extLst>
-      <p:ext uri="{BB962C8B-B14F-4D97-AF65-F5344CB8AC3E}">
-        <p14:creationId xmlns:p14="http://schemas.microsoft.com/office/powerpoint/2010/main" val="4119713757"/>
-      </p:ext>
-    </p:extLst>
-  </p:cSld>
-  <p:clrMapOvr>
-    <a:masterClrMapping/>
-  </p:clrMapOvr>
-  <p:timing>
-    <p:tnLst>
-      <p:par>
-        <p:cTn id="1" dur="indefinite" restart="never" nodeType="tmRoot"/>
-      </p:par>
-    </p:tnLst>
-  </p:timing>
-</p:sld>
-</file>
-
 <file path=ppt/slides/slide9.xml><?xml version="1.0" encoding="utf-8"?>
 <p:sld xmlns:a="http://schemas.openxmlformats.org/drawingml/2006/main" xmlns:r="http://schemas.openxmlformats.org/officeDocument/2006/relationships" xmlns:p="http://schemas.openxmlformats.org/presentationml/2006/main">
   <p:cSld>
@@ -5133,45 +5536,69 @@
           <a:p>
             <a:r>
               <a:rPr lang="en-US" dirty="0" smtClean="0"/>
-              <a:t>PLL waveform</a:t>
+              <a:t>Bus</a:t>
             </a:r>
             <a:endParaRPr lang="en-US" dirty="0"/>
           </a:p>
         </p:txBody>
       </p:sp>
-      <p:pic>
-        <p:nvPicPr>
-          <p:cNvPr id="4" name="Content Placeholder 3"/>
-          <p:cNvPicPr>
-            <a:picLocks noGrp="1" noChangeAspect="1"/>
-          </p:cNvPicPr>
+      <p:sp>
+        <p:nvSpPr>
+          <p:cNvPr id="3" name="Content Placeholder 2"/>
+          <p:cNvSpPr>
+            <a:spLocks noGrp="1"/>
+          </p:cNvSpPr>
           <p:nvPr>
             <p:ph idx="1"/>
           </p:nvPr>
-        </p:nvPicPr>
-        <p:blipFill>
-          <a:blip r:embed="rId2">
-            <a:extLst>
-              <a:ext uri="{28A0092B-C50C-407E-A947-70E740481C1C}">
-                <a14:useLocalDpi xmlns:a14="http://schemas.microsoft.com/office/drawing/2010/main" val="0"/>
-              </a:ext>
-            </a:extLst>
-          </a:blip>
-          <a:stretch>
-            <a:fillRect/>
-          </a:stretch>
-        </p:blipFill>
-        <p:spPr>
-          <a:xfrm>
-            <a:off x="1143000" y="3048000"/>
-            <a:ext cx="6481822" cy="3200400"/>
-          </a:xfrm>
-        </p:spPr>
-      </p:pic>
+        </p:nvSpPr>
+        <p:spPr/>
+        <p:txBody>
+          <a:bodyPr/>
+          <a:lstStyle/>
+          <a:p>
+            <a:r>
+              <a:rPr lang="en-US" dirty="0" smtClean="0"/>
+              <a:t>Address bus</a:t>
+            </a:r>
+          </a:p>
+          <a:p>
+            <a:r>
+              <a:rPr lang="en-US" dirty="0" smtClean="0"/>
+              <a:t>Data bus</a:t>
+            </a:r>
+          </a:p>
+          <a:p>
+            <a:r>
+              <a:rPr lang="en-US" dirty="0" smtClean="0"/>
+              <a:t>Control bus</a:t>
+            </a:r>
+          </a:p>
+          <a:p>
+            <a:r>
+              <a:rPr lang="en-US" dirty="0" smtClean="0"/>
+              <a:t>System bus</a:t>
+            </a:r>
+          </a:p>
+          <a:p>
+            <a:r>
+              <a:rPr lang="en-US" dirty="0" smtClean="0"/>
+              <a:t>AHB</a:t>
+            </a:r>
+          </a:p>
+          <a:p>
+            <a:r>
+              <a:rPr lang="en-US" dirty="0" smtClean="0"/>
+              <a:t>APB1,APB2</a:t>
+            </a:r>
+            <a:endParaRPr lang="en-US" dirty="0"/>
+          </a:p>
+        </p:txBody>
+      </p:sp>
     </p:spTree>
     <p:extLst>
       <p:ext uri="{BB962C8B-B14F-4D97-AF65-F5344CB8AC3E}">
-        <p14:creationId xmlns:p14="http://schemas.microsoft.com/office/powerpoint/2010/main" val="2135278932"/>
+        <p14:creationId xmlns:p14="http://schemas.microsoft.com/office/powerpoint/2010/main" val="1116599352"/>
       </p:ext>
     </p:extLst>
   </p:cSld>
